--- a/2019 - 02/[응용통계학과] 데이터마이닝/INSURANCE MODEL/Modeling.pptx
+++ b/2019 - 02/[응용통계학과] 데이터마이닝/INSURANCE MODEL/Modeling.pptx
@@ -256,7 +256,7 @@
           <a:p>
             <a:fld id="{D2CC10A8-F955-4A46-B055-1C9EE538F080}" type="datetimeFigureOut">
               <a:rPr lang="ko-KR" altLang="en-US" smtClean="0"/>
-              <a:t>2019-11-17</a:t>
+              <a:t>2019-11-19</a:t>
             </a:fld>
             <a:endParaRPr lang="ko-KR" altLang="en-US"/>
           </a:p>
@@ -426,7 +426,7 @@
           <a:p>
             <a:fld id="{D2CC10A8-F955-4A46-B055-1C9EE538F080}" type="datetimeFigureOut">
               <a:rPr lang="ko-KR" altLang="en-US" smtClean="0"/>
-              <a:t>2019-11-17</a:t>
+              <a:t>2019-11-19</a:t>
             </a:fld>
             <a:endParaRPr lang="ko-KR" altLang="en-US"/>
           </a:p>
@@ -606,7 +606,7 @@
           <a:p>
             <a:fld id="{D2CC10A8-F955-4A46-B055-1C9EE538F080}" type="datetimeFigureOut">
               <a:rPr lang="ko-KR" altLang="en-US" smtClean="0"/>
-              <a:t>2019-11-17</a:t>
+              <a:t>2019-11-19</a:t>
             </a:fld>
             <a:endParaRPr lang="ko-KR" altLang="en-US"/>
           </a:p>
@@ -776,7 +776,7 @@
           <a:p>
             <a:fld id="{D2CC10A8-F955-4A46-B055-1C9EE538F080}" type="datetimeFigureOut">
               <a:rPr lang="ko-KR" altLang="en-US" smtClean="0"/>
-              <a:t>2019-11-17</a:t>
+              <a:t>2019-11-19</a:t>
             </a:fld>
             <a:endParaRPr lang="ko-KR" altLang="en-US"/>
           </a:p>
@@ -1020,7 +1020,7 @@
           <a:p>
             <a:fld id="{D2CC10A8-F955-4A46-B055-1C9EE538F080}" type="datetimeFigureOut">
               <a:rPr lang="ko-KR" altLang="en-US" smtClean="0"/>
-              <a:t>2019-11-17</a:t>
+              <a:t>2019-11-19</a:t>
             </a:fld>
             <a:endParaRPr lang="ko-KR" altLang="en-US"/>
           </a:p>
@@ -1252,7 +1252,7 @@
           <a:p>
             <a:fld id="{D2CC10A8-F955-4A46-B055-1C9EE538F080}" type="datetimeFigureOut">
               <a:rPr lang="ko-KR" altLang="en-US" smtClean="0"/>
-              <a:t>2019-11-17</a:t>
+              <a:t>2019-11-19</a:t>
             </a:fld>
             <a:endParaRPr lang="ko-KR" altLang="en-US"/>
           </a:p>
@@ -1619,7 +1619,7 @@
           <a:p>
             <a:fld id="{D2CC10A8-F955-4A46-B055-1C9EE538F080}" type="datetimeFigureOut">
               <a:rPr lang="ko-KR" altLang="en-US" smtClean="0"/>
-              <a:t>2019-11-17</a:t>
+              <a:t>2019-11-19</a:t>
             </a:fld>
             <a:endParaRPr lang="ko-KR" altLang="en-US"/>
           </a:p>
@@ -1737,7 +1737,7 @@
           <a:p>
             <a:fld id="{D2CC10A8-F955-4A46-B055-1C9EE538F080}" type="datetimeFigureOut">
               <a:rPr lang="ko-KR" altLang="en-US" smtClean="0"/>
-              <a:t>2019-11-17</a:t>
+              <a:t>2019-11-19</a:t>
             </a:fld>
             <a:endParaRPr lang="ko-KR" altLang="en-US"/>
           </a:p>
@@ -1832,7 +1832,7 @@
           <a:p>
             <a:fld id="{D2CC10A8-F955-4A46-B055-1C9EE538F080}" type="datetimeFigureOut">
               <a:rPr lang="ko-KR" altLang="en-US" smtClean="0"/>
-              <a:t>2019-11-17</a:t>
+              <a:t>2019-11-19</a:t>
             </a:fld>
             <a:endParaRPr lang="ko-KR" altLang="en-US"/>
           </a:p>
@@ -2109,7 +2109,7 @@
           <a:p>
             <a:fld id="{D2CC10A8-F955-4A46-B055-1C9EE538F080}" type="datetimeFigureOut">
               <a:rPr lang="ko-KR" altLang="en-US" smtClean="0"/>
-              <a:t>2019-11-17</a:t>
+              <a:t>2019-11-19</a:t>
             </a:fld>
             <a:endParaRPr lang="ko-KR" altLang="en-US"/>
           </a:p>
@@ -2366,7 +2366,7 @@
           <a:p>
             <a:fld id="{D2CC10A8-F955-4A46-B055-1C9EE538F080}" type="datetimeFigureOut">
               <a:rPr lang="ko-KR" altLang="en-US" smtClean="0"/>
-              <a:t>2019-11-17</a:t>
+              <a:t>2019-11-19</a:t>
             </a:fld>
             <a:endParaRPr lang="ko-KR" altLang="en-US"/>
           </a:p>
@@ -2579,7 +2579,7 @@
           <a:p>
             <a:fld id="{D2CC10A8-F955-4A46-B055-1C9EE538F080}" type="datetimeFigureOut">
               <a:rPr lang="ko-KR" altLang="en-US" smtClean="0"/>
-              <a:t>2019-11-17</a:t>
+              <a:t>2019-11-19</a:t>
             </a:fld>
             <a:endParaRPr lang="ko-KR" altLang="en-US"/>
           </a:p>
@@ -3073,7 +3073,7 @@
                 <a:latin typeface="HY헤드라인M" panose="02030600000101010101" pitchFamily="18" charset="-127"/>
                 <a:ea typeface="HY헤드라인M" panose="02030600000101010101" pitchFamily="18" charset="-127"/>
               </a:rPr>
-              <a:t>20145024 </a:t>
+              <a:t>201352099 </a:t>
             </a:r>
             <a:r>
               <a:rPr lang="ko-KR" altLang="en-US" sz="1500" dirty="0" smtClean="0">
@@ -3096,11 +3096,11 @@
               <a:t>응용통계학과 </a:t>
             </a:r>
             <a:r>
-              <a:rPr lang="en-US" altLang="ko-KR" sz="1500" dirty="0">
+              <a:rPr lang="en-US" altLang="ko-KR" sz="1500" dirty="0" smtClean="0">
                 <a:latin typeface="HY헤드라인M" panose="02030600000101010101" pitchFamily="18" charset="-127"/>
                 <a:ea typeface="HY헤드라인M" panose="02030600000101010101" pitchFamily="18" charset="-127"/>
               </a:rPr>
-              <a:t>20145024 </a:t>
+              <a:t>201452024 </a:t>
             </a:r>
             <a:r>
               <a:rPr lang="ko-KR" altLang="en-US" sz="1500" dirty="0">
@@ -3119,11 +3119,11 @@
               <a:t>응용통계학과 </a:t>
             </a:r>
             <a:r>
-              <a:rPr lang="en-US" altLang="ko-KR" sz="1500" dirty="0">
+              <a:rPr lang="en-US" altLang="ko-KR" sz="1500" dirty="0" smtClean="0">
                 <a:latin typeface="HY헤드라인M" panose="02030600000101010101" pitchFamily="18" charset="-127"/>
                 <a:ea typeface="HY헤드라인M" panose="02030600000101010101" pitchFamily="18" charset="-127"/>
               </a:rPr>
-              <a:t>20145024 </a:t>
+              <a:t>201452041 </a:t>
             </a:r>
             <a:r>
               <a:rPr lang="ko-KR" altLang="en-US" sz="1500" dirty="0" err="1" smtClean="0">
@@ -3353,9 +3353,6 @@
               </a:rPr>
               <a:t>Deep Neural Network</a:t>
             </a:r>
-            <a:endParaRPr lang="en-US" altLang="ko-KR" sz="2500" dirty="0" smtClean="0">
-              <a:latin typeface="Arial Rounded MT Bold" panose="020F0704030504030204" pitchFamily="34" charset="0"/>
-            </a:endParaRPr>
           </a:p>
           <a:p>
             <a:pPr marL="342900" indent="-342900" algn="just">
